--- a/hack_machine/img/Time Sequence of DFF.pptx
+++ b/hack_machine/img/Time Sequence of DFF.pptx
@@ -6,6 +6,7 @@
   </p:sldMasterIdLst>
   <p:sldIdLst>
     <p:sldId id="256" r:id="rId2"/>
+    <p:sldId id="257" r:id="rId3"/>
   </p:sldIdLst>
   <p:sldSz cx="12192000" cy="6858000"/>
   <p:notesSz cx="6858000" cy="9144000"/>
@@ -106,7 +107,18 @@
   </p:defaultTextStyle>
   <p:extLst>
     <p:ext uri="{EFAFB233-063F-42B5-8137-9DF3F51BA10A}">
-      <p15:sldGuideLst xmlns:p15="http://schemas.microsoft.com/office/powerpoint/2012/main"/>
+      <p15:sldGuideLst xmlns:p15="http://schemas.microsoft.com/office/powerpoint/2012/main">
+        <p15:guide id="1" orient="horz" pos="2160" userDrawn="1">
+          <p15:clr>
+            <a:srgbClr val="A4A3A4"/>
+          </p15:clr>
+        </p15:guide>
+        <p15:guide id="2" pos="3840" userDrawn="1">
+          <p15:clr>
+            <a:srgbClr val="A4A3A4"/>
+          </p15:clr>
+        </p15:guide>
+      </p15:sldGuideLst>
     </p:ext>
   </p:extLst>
 </p:presentation>
@@ -259,7 +271,7 @@
           <a:p>
             <a:fld id="{6D7ACA45-8227-4466-BB62-D68A611B9C49}" type="datetimeFigureOut">
               <a:rPr lang="zh-CN" altLang="en-US" smtClean="0"/>
-              <a:t>2024/3/6</a:t>
+              <a:t>2024/3/7</a:t>
             </a:fld>
             <a:endParaRPr lang="zh-CN" altLang="en-US"/>
           </a:p>
@@ -457,7 +469,7 @@
           <a:p>
             <a:fld id="{6D7ACA45-8227-4466-BB62-D68A611B9C49}" type="datetimeFigureOut">
               <a:rPr lang="zh-CN" altLang="en-US" smtClean="0"/>
-              <a:t>2024/3/6</a:t>
+              <a:t>2024/3/7</a:t>
             </a:fld>
             <a:endParaRPr lang="zh-CN" altLang="en-US"/>
           </a:p>
@@ -665,7 +677,7 @@
           <a:p>
             <a:fld id="{6D7ACA45-8227-4466-BB62-D68A611B9C49}" type="datetimeFigureOut">
               <a:rPr lang="zh-CN" altLang="en-US" smtClean="0"/>
-              <a:t>2024/3/6</a:t>
+              <a:t>2024/3/7</a:t>
             </a:fld>
             <a:endParaRPr lang="zh-CN" altLang="en-US"/>
           </a:p>
@@ -863,7 +875,7 @@
           <a:p>
             <a:fld id="{6D7ACA45-8227-4466-BB62-D68A611B9C49}" type="datetimeFigureOut">
               <a:rPr lang="zh-CN" altLang="en-US" smtClean="0"/>
-              <a:t>2024/3/6</a:t>
+              <a:t>2024/3/7</a:t>
             </a:fld>
             <a:endParaRPr lang="zh-CN" altLang="en-US"/>
           </a:p>
@@ -1138,7 +1150,7 @@
           <a:p>
             <a:fld id="{6D7ACA45-8227-4466-BB62-D68A611B9C49}" type="datetimeFigureOut">
               <a:rPr lang="zh-CN" altLang="en-US" smtClean="0"/>
-              <a:t>2024/3/6</a:t>
+              <a:t>2024/3/7</a:t>
             </a:fld>
             <a:endParaRPr lang="zh-CN" altLang="en-US"/>
           </a:p>
@@ -1403,7 +1415,7 @@
           <a:p>
             <a:fld id="{6D7ACA45-8227-4466-BB62-D68A611B9C49}" type="datetimeFigureOut">
               <a:rPr lang="zh-CN" altLang="en-US" smtClean="0"/>
-              <a:t>2024/3/6</a:t>
+              <a:t>2024/3/7</a:t>
             </a:fld>
             <a:endParaRPr lang="zh-CN" altLang="en-US"/>
           </a:p>
@@ -1815,7 +1827,7 @@
           <a:p>
             <a:fld id="{6D7ACA45-8227-4466-BB62-D68A611B9C49}" type="datetimeFigureOut">
               <a:rPr lang="zh-CN" altLang="en-US" smtClean="0"/>
-              <a:t>2024/3/6</a:t>
+              <a:t>2024/3/7</a:t>
             </a:fld>
             <a:endParaRPr lang="zh-CN" altLang="en-US"/>
           </a:p>
@@ -1956,7 +1968,7 @@
           <a:p>
             <a:fld id="{6D7ACA45-8227-4466-BB62-D68A611B9C49}" type="datetimeFigureOut">
               <a:rPr lang="zh-CN" altLang="en-US" smtClean="0"/>
-              <a:t>2024/3/6</a:t>
+              <a:t>2024/3/7</a:t>
             </a:fld>
             <a:endParaRPr lang="zh-CN" altLang="en-US"/>
           </a:p>
@@ -2069,7 +2081,7 @@
           <a:p>
             <a:fld id="{6D7ACA45-8227-4466-BB62-D68A611B9C49}" type="datetimeFigureOut">
               <a:rPr lang="zh-CN" altLang="en-US" smtClean="0"/>
-              <a:t>2024/3/6</a:t>
+              <a:t>2024/3/7</a:t>
             </a:fld>
             <a:endParaRPr lang="zh-CN" altLang="en-US"/>
           </a:p>
@@ -2380,7 +2392,7 @@
           <a:p>
             <a:fld id="{6D7ACA45-8227-4466-BB62-D68A611B9C49}" type="datetimeFigureOut">
               <a:rPr lang="zh-CN" altLang="en-US" smtClean="0"/>
-              <a:t>2024/3/6</a:t>
+              <a:t>2024/3/7</a:t>
             </a:fld>
             <a:endParaRPr lang="zh-CN" altLang="en-US"/>
           </a:p>
@@ -2668,7 +2680,7 @@
           <a:p>
             <a:fld id="{6D7ACA45-8227-4466-BB62-D68A611B9C49}" type="datetimeFigureOut">
               <a:rPr lang="zh-CN" altLang="en-US" smtClean="0"/>
-              <a:t>2024/3/6</a:t>
+              <a:t>2024/3/7</a:t>
             </a:fld>
             <a:endParaRPr lang="zh-CN" altLang="en-US"/>
           </a:p>
@@ -2909,7 +2921,7 @@
           <a:p>
             <a:fld id="{6D7ACA45-8227-4466-BB62-D68A611B9C49}" type="datetimeFigureOut">
               <a:rPr lang="zh-CN" altLang="en-US" smtClean="0"/>
-              <a:t>2024/3/6</a:t>
+              <a:t>2024/3/7</a:t>
             </a:fld>
             <a:endParaRPr lang="zh-CN" altLang="en-US"/>
           </a:p>
@@ -3383,6 +3395,1021 @@
 </p:sld>
 </file>
 
+<file path=ppt/slides/slide2.xml><?xml version="1.0" encoding="utf-8"?>
+<p:sld xmlns:a="http://schemas.openxmlformats.org/drawingml/2006/main" xmlns:r="http://schemas.openxmlformats.org/officeDocument/2006/relationships" xmlns:p="http://schemas.openxmlformats.org/presentationml/2006/main">
+  <p:cSld>
+    <p:spTree>
+      <p:nvGrpSpPr>
+        <p:cNvPr id="1" name=""/>
+        <p:cNvGrpSpPr/>
+        <p:nvPr/>
+      </p:nvGrpSpPr>
+      <p:grpSpPr>
+        <a:xfrm>
+          <a:off x="0" y="0"/>
+          <a:ext cx="0" cy="0"/>
+          <a:chOff x="0" y="0"/>
+          <a:chExt cx="0" cy="0"/>
+        </a:xfrm>
+      </p:grpSpPr>
+      <p:sp>
+        <p:nvSpPr>
+          <p:cNvPr id="10" name="矩形: 圆角 9">
+            <a:extLst>
+              <a:ext uri="{FF2B5EF4-FFF2-40B4-BE49-F238E27FC236}">
+                <a16:creationId xmlns:a16="http://schemas.microsoft.com/office/drawing/2014/main" id="{252DDFE1-6712-F32A-91B0-94517A8CAAAA}"/>
+              </a:ext>
+            </a:extLst>
+          </p:cNvPr>
+          <p:cNvSpPr/>
+          <p:nvPr/>
+        </p:nvSpPr>
+        <p:spPr>
+          <a:xfrm>
+            <a:off x="876000" y="684000"/>
+            <a:ext cx="1800000" cy="2745000"/>
+          </a:xfrm>
+          <a:prstGeom prst="roundRect">
+            <a:avLst/>
+          </a:prstGeom>
+          <a:noFill/>
+        </p:spPr>
+        <p:style>
+          <a:lnRef idx="2">
+            <a:schemeClr val="accent1">
+              <a:shade val="15000"/>
+            </a:schemeClr>
+          </a:lnRef>
+          <a:fillRef idx="1">
+            <a:schemeClr val="accent1"/>
+          </a:fillRef>
+          <a:effectRef idx="0">
+            <a:schemeClr val="accent1"/>
+          </a:effectRef>
+          <a:fontRef idx="minor">
+            <a:schemeClr val="lt1"/>
+          </a:fontRef>
+        </p:style>
+        <p:txBody>
+          <a:bodyPr rtlCol="0" anchor="ctr"/>
+          <a:lstStyle/>
+          <a:p>
+            <a:pPr algn="ctr"/>
+            <a:endParaRPr lang="zh-CN" altLang="en-US" dirty="0"/>
+          </a:p>
+        </p:txBody>
+      </p:sp>
+      <p:sp>
+        <p:nvSpPr>
+          <p:cNvPr id="8" name="矩形: 圆角 7">
+            <a:extLst>
+              <a:ext uri="{FF2B5EF4-FFF2-40B4-BE49-F238E27FC236}">
+                <a16:creationId xmlns:a16="http://schemas.microsoft.com/office/drawing/2014/main" id="{A18C8BBF-75B3-B12C-9353-94018A8BFC77}"/>
+              </a:ext>
+            </a:extLst>
+          </p:cNvPr>
+          <p:cNvSpPr/>
+          <p:nvPr/>
+        </p:nvSpPr>
+        <p:spPr>
+          <a:xfrm>
+            <a:off x="1041000" y="1494000"/>
+            <a:ext cx="1440000" cy="720000"/>
+          </a:xfrm>
+          <a:prstGeom prst="roundRect">
+            <a:avLst/>
+          </a:prstGeom>
+          <a:solidFill>
+            <a:schemeClr val="accent1">
+              <a:tint val="66000"/>
+              <a:satMod val="160000"/>
+            </a:schemeClr>
+          </a:solidFill>
+        </p:spPr>
+        <p:style>
+          <a:lnRef idx="2">
+            <a:schemeClr val="accent1">
+              <a:shade val="15000"/>
+            </a:schemeClr>
+          </a:lnRef>
+          <a:fillRef idx="1">
+            <a:schemeClr val="accent1"/>
+          </a:fillRef>
+          <a:effectRef idx="0">
+            <a:schemeClr val="accent1"/>
+          </a:effectRef>
+          <a:fontRef idx="minor">
+            <a:schemeClr val="lt1"/>
+          </a:fontRef>
+        </p:style>
+        <p:txBody>
+          <a:bodyPr rtlCol="0" anchor="ctr"/>
+          <a:lstStyle/>
+          <a:p>
+            <a:pPr algn="ctr"/>
+            <a:r>
+              <a:rPr lang="en-US" altLang="zh-CN" dirty="0"/>
+              <a:t>NAND</a:t>
+            </a:r>
+            <a:endParaRPr lang="zh-CN" altLang="en-US" dirty="0"/>
+          </a:p>
+        </p:txBody>
+      </p:sp>
+      <p:sp>
+        <p:nvSpPr>
+          <p:cNvPr id="9" name="矩形: 圆角 8">
+            <a:extLst>
+              <a:ext uri="{FF2B5EF4-FFF2-40B4-BE49-F238E27FC236}">
+                <a16:creationId xmlns:a16="http://schemas.microsoft.com/office/drawing/2014/main" id="{1EF1067E-6A92-327B-1F11-AAA2F7339ADE}"/>
+              </a:ext>
+            </a:extLst>
+          </p:cNvPr>
+          <p:cNvSpPr/>
+          <p:nvPr/>
+        </p:nvSpPr>
+        <p:spPr>
+          <a:xfrm>
+            <a:off x="1056000" y="2484800"/>
+            <a:ext cx="1440000" cy="720000"/>
+          </a:xfrm>
+          <a:prstGeom prst="roundRect">
+            <a:avLst/>
+          </a:prstGeom>
+          <a:solidFill>
+            <a:schemeClr val="accent1">
+              <a:tint val="66000"/>
+              <a:satMod val="160000"/>
+            </a:schemeClr>
+          </a:solidFill>
+        </p:spPr>
+        <p:style>
+          <a:lnRef idx="2">
+            <a:schemeClr val="accent1">
+              <a:shade val="15000"/>
+            </a:schemeClr>
+          </a:lnRef>
+          <a:fillRef idx="1">
+            <a:schemeClr val="accent1"/>
+          </a:fillRef>
+          <a:effectRef idx="0">
+            <a:schemeClr val="accent1"/>
+          </a:effectRef>
+          <a:fontRef idx="minor">
+            <a:schemeClr val="lt1"/>
+          </a:fontRef>
+        </p:style>
+        <p:txBody>
+          <a:bodyPr rtlCol="0" anchor="ctr"/>
+          <a:lstStyle/>
+          <a:p>
+            <a:pPr algn="ctr"/>
+            <a:r>
+              <a:rPr lang="en-US" altLang="zh-CN" dirty="0"/>
+              <a:t>DFF</a:t>
+            </a:r>
+            <a:endParaRPr lang="zh-CN" altLang="en-US" dirty="0"/>
+          </a:p>
+        </p:txBody>
+      </p:sp>
+      <p:sp>
+        <p:nvSpPr>
+          <p:cNvPr id="11" name="文本框 10">
+            <a:extLst>
+              <a:ext uri="{FF2B5EF4-FFF2-40B4-BE49-F238E27FC236}">
+                <a16:creationId xmlns:a16="http://schemas.microsoft.com/office/drawing/2014/main" id="{75909AEA-AA30-B5DF-DA83-5C6E8C4B1CF2}"/>
+              </a:ext>
+            </a:extLst>
+          </p:cNvPr>
+          <p:cNvSpPr txBox="1"/>
+          <p:nvPr/>
+        </p:nvSpPr>
+        <p:spPr>
+          <a:xfrm>
+            <a:off x="1084372" y="909000"/>
+            <a:ext cx="1353256" cy="369332"/>
+          </a:xfrm>
+          <a:prstGeom prst="rect">
+            <a:avLst/>
+          </a:prstGeom>
+          <a:noFill/>
+        </p:spPr>
+        <p:txBody>
+          <a:bodyPr wrap="none" rtlCol="0">
+            <a:spAutoFit/>
+          </a:bodyPr>
+          <a:lstStyle/>
+          <a:p>
+            <a:r>
+              <a:rPr lang="en-US" altLang="zh-CN" dirty="0"/>
+              <a:t>Atom Gates</a:t>
+            </a:r>
+            <a:endParaRPr lang="zh-CN" altLang="en-US" dirty="0"/>
+          </a:p>
+        </p:txBody>
+      </p:sp>
+      <p:sp>
+        <p:nvSpPr>
+          <p:cNvPr id="12" name="矩形: 圆角 11">
+            <a:extLst>
+              <a:ext uri="{FF2B5EF4-FFF2-40B4-BE49-F238E27FC236}">
+                <a16:creationId xmlns:a16="http://schemas.microsoft.com/office/drawing/2014/main" id="{121396B6-29B3-8FEB-0EB9-70A7CE3FAEF2}"/>
+              </a:ext>
+            </a:extLst>
+          </p:cNvPr>
+          <p:cNvSpPr/>
+          <p:nvPr/>
+        </p:nvSpPr>
+        <p:spPr>
+          <a:xfrm>
+            <a:off x="3351000" y="1468440"/>
+            <a:ext cx="1440000" cy="720000"/>
+          </a:xfrm>
+          <a:prstGeom prst="roundRect">
+            <a:avLst/>
+          </a:prstGeom>
+          <a:solidFill>
+            <a:schemeClr val="accent1">
+              <a:tint val="66000"/>
+              <a:satMod val="160000"/>
+            </a:schemeClr>
+          </a:solidFill>
+        </p:spPr>
+        <p:style>
+          <a:lnRef idx="2">
+            <a:schemeClr val="accent1">
+              <a:shade val="15000"/>
+            </a:schemeClr>
+          </a:lnRef>
+          <a:fillRef idx="1">
+            <a:schemeClr val="accent1"/>
+          </a:fillRef>
+          <a:effectRef idx="0">
+            <a:schemeClr val="accent1"/>
+          </a:effectRef>
+          <a:fontRef idx="minor">
+            <a:schemeClr val="lt1"/>
+          </a:fontRef>
+        </p:style>
+        <p:txBody>
+          <a:bodyPr rtlCol="0" anchor="ctr"/>
+          <a:lstStyle/>
+          <a:p>
+            <a:pPr algn="ctr"/>
+            <a:r>
+              <a:rPr lang="en-US" altLang="zh-CN" dirty="0"/>
+              <a:t>AND, OR, NOT, XOR</a:t>
+            </a:r>
+            <a:endParaRPr lang="zh-CN" altLang="en-US" dirty="0"/>
+          </a:p>
+        </p:txBody>
+      </p:sp>
+      <p:sp>
+        <p:nvSpPr>
+          <p:cNvPr id="14" name="矩形: 圆角 13">
+            <a:extLst>
+              <a:ext uri="{FF2B5EF4-FFF2-40B4-BE49-F238E27FC236}">
+                <a16:creationId xmlns:a16="http://schemas.microsoft.com/office/drawing/2014/main" id="{519C8470-A183-16EC-AF4E-EFC313E5E4CF}"/>
+              </a:ext>
+            </a:extLst>
+          </p:cNvPr>
+          <p:cNvSpPr/>
+          <p:nvPr/>
+        </p:nvSpPr>
+        <p:spPr>
+          <a:xfrm>
+            <a:off x="3351000" y="2503440"/>
+            <a:ext cx="1440000" cy="720000"/>
+          </a:xfrm>
+          <a:prstGeom prst="roundRect">
+            <a:avLst/>
+          </a:prstGeom>
+          <a:solidFill>
+            <a:schemeClr val="accent1">
+              <a:tint val="66000"/>
+              <a:satMod val="160000"/>
+            </a:schemeClr>
+          </a:solidFill>
+        </p:spPr>
+        <p:style>
+          <a:lnRef idx="2">
+            <a:schemeClr val="accent1">
+              <a:shade val="15000"/>
+            </a:schemeClr>
+          </a:lnRef>
+          <a:fillRef idx="1">
+            <a:schemeClr val="accent1"/>
+          </a:fillRef>
+          <a:effectRef idx="0">
+            <a:schemeClr val="accent1"/>
+          </a:effectRef>
+          <a:fontRef idx="minor">
+            <a:schemeClr val="lt1"/>
+          </a:fontRef>
+        </p:style>
+        <p:txBody>
+          <a:bodyPr rtlCol="0" anchor="ctr"/>
+          <a:lstStyle/>
+          <a:p>
+            <a:pPr algn="ctr"/>
+            <a:r>
+              <a:rPr lang="en-US" altLang="zh-CN" dirty="0"/>
+              <a:t>Mux, DMux</a:t>
+            </a:r>
+            <a:endParaRPr lang="zh-CN" altLang="en-US" dirty="0"/>
+          </a:p>
+        </p:txBody>
+      </p:sp>
+      <p:sp>
+        <p:nvSpPr>
+          <p:cNvPr id="15" name="矩形: 圆角 14">
+            <a:extLst>
+              <a:ext uri="{FF2B5EF4-FFF2-40B4-BE49-F238E27FC236}">
+                <a16:creationId xmlns:a16="http://schemas.microsoft.com/office/drawing/2014/main" id="{8A2DFCC0-792F-FDCC-A4C7-6810FA88DBC9}"/>
+              </a:ext>
+            </a:extLst>
+          </p:cNvPr>
+          <p:cNvSpPr/>
+          <p:nvPr/>
+        </p:nvSpPr>
+        <p:spPr>
+          <a:xfrm>
+            <a:off x="3171000" y="678560"/>
+            <a:ext cx="1800000" cy="2745000"/>
+          </a:xfrm>
+          <a:prstGeom prst="roundRect">
+            <a:avLst/>
+          </a:prstGeom>
+          <a:noFill/>
+        </p:spPr>
+        <p:style>
+          <a:lnRef idx="2">
+            <a:schemeClr val="accent1">
+              <a:shade val="15000"/>
+            </a:schemeClr>
+          </a:lnRef>
+          <a:fillRef idx="1">
+            <a:schemeClr val="accent1"/>
+          </a:fillRef>
+          <a:effectRef idx="0">
+            <a:schemeClr val="accent1"/>
+          </a:effectRef>
+          <a:fontRef idx="minor">
+            <a:schemeClr val="lt1"/>
+          </a:fontRef>
+        </p:style>
+        <p:txBody>
+          <a:bodyPr rtlCol="0" anchor="ctr"/>
+          <a:lstStyle/>
+          <a:p>
+            <a:pPr algn="ctr"/>
+            <a:endParaRPr lang="zh-CN" altLang="en-US" dirty="0"/>
+          </a:p>
+        </p:txBody>
+      </p:sp>
+      <p:sp>
+        <p:nvSpPr>
+          <p:cNvPr id="16" name="文本框 15">
+            <a:extLst>
+              <a:ext uri="{FF2B5EF4-FFF2-40B4-BE49-F238E27FC236}">
+                <a16:creationId xmlns:a16="http://schemas.microsoft.com/office/drawing/2014/main" id="{0031C5BE-5067-8877-9A52-08CAC7E3210E}"/>
+              </a:ext>
+            </a:extLst>
+          </p:cNvPr>
+          <p:cNvSpPr txBox="1"/>
+          <p:nvPr/>
+        </p:nvSpPr>
+        <p:spPr>
+          <a:xfrm>
+            <a:off x="3731804" y="883588"/>
+            <a:ext cx="678391" cy="369332"/>
+          </a:xfrm>
+          <a:prstGeom prst="rect">
+            <a:avLst/>
+          </a:prstGeom>
+          <a:noFill/>
+        </p:spPr>
+        <p:txBody>
+          <a:bodyPr wrap="none" rtlCol="0">
+            <a:spAutoFit/>
+          </a:bodyPr>
+          <a:lstStyle/>
+          <a:p>
+            <a:r>
+              <a:rPr lang="en-US" altLang="zh-CN" dirty="0"/>
+              <a:t>Basic</a:t>
+            </a:r>
+            <a:endParaRPr lang="zh-CN" altLang="en-US" dirty="0"/>
+          </a:p>
+        </p:txBody>
+      </p:sp>
+      <p:sp>
+        <p:nvSpPr>
+          <p:cNvPr id="17" name="矩形: 圆角 16">
+            <a:extLst>
+              <a:ext uri="{FF2B5EF4-FFF2-40B4-BE49-F238E27FC236}">
+                <a16:creationId xmlns:a16="http://schemas.microsoft.com/office/drawing/2014/main" id="{92A16308-415E-189E-57EE-60A8F0181DF5}"/>
+              </a:ext>
+            </a:extLst>
+          </p:cNvPr>
+          <p:cNvSpPr/>
+          <p:nvPr/>
+        </p:nvSpPr>
+        <p:spPr>
+          <a:xfrm>
+            <a:off x="5777922" y="766360"/>
+            <a:ext cx="1440000" cy="720000"/>
+          </a:xfrm>
+          <a:prstGeom prst="roundRect">
+            <a:avLst/>
+          </a:prstGeom>
+          <a:solidFill>
+            <a:schemeClr val="accent1">
+              <a:tint val="66000"/>
+              <a:satMod val="160000"/>
+            </a:schemeClr>
+          </a:solidFill>
+        </p:spPr>
+        <p:style>
+          <a:lnRef idx="2">
+            <a:schemeClr val="accent1">
+              <a:shade val="15000"/>
+            </a:schemeClr>
+          </a:lnRef>
+          <a:fillRef idx="1">
+            <a:schemeClr val="accent1"/>
+          </a:fillRef>
+          <a:effectRef idx="0">
+            <a:schemeClr val="accent1"/>
+          </a:effectRef>
+          <a:fontRef idx="minor">
+            <a:schemeClr val="lt1"/>
+          </a:fontRef>
+        </p:style>
+        <p:txBody>
+          <a:bodyPr rtlCol="0" anchor="ctr"/>
+          <a:lstStyle/>
+          <a:p>
+            <a:pPr algn="ctr"/>
+            <a:r>
+              <a:rPr lang="en-US" altLang="zh-CN" dirty="0"/>
+              <a:t>AND16</a:t>
+            </a:r>
+            <a:endParaRPr lang="zh-CN" altLang="en-US" dirty="0"/>
+          </a:p>
+        </p:txBody>
+      </p:sp>
+      <p:sp>
+        <p:nvSpPr>
+          <p:cNvPr id="18" name="矩形: 圆角 17">
+            <a:extLst>
+              <a:ext uri="{FF2B5EF4-FFF2-40B4-BE49-F238E27FC236}">
+                <a16:creationId xmlns:a16="http://schemas.microsoft.com/office/drawing/2014/main" id="{383C34A6-3144-00FC-8D7C-6875B6F1F08B}"/>
+              </a:ext>
+            </a:extLst>
+          </p:cNvPr>
+          <p:cNvSpPr/>
+          <p:nvPr/>
+        </p:nvSpPr>
+        <p:spPr>
+          <a:xfrm>
+            <a:off x="5777922" y="1584000"/>
+            <a:ext cx="1440000" cy="720000"/>
+          </a:xfrm>
+          <a:prstGeom prst="roundRect">
+            <a:avLst/>
+          </a:prstGeom>
+          <a:solidFill>
+            <a:schemeClr val="accent1">
+              <a:tint val="66000"/>
+              <a:satMod val="160000"/>
+            </a:schemeClr>
+          </a:solidFill>
+        </p:spPr>
+        <p:style>
+          <a:lnRef idx="2">
+            <a:schemeClr val="accent1">
+              <a:shade val="15000"/>
+            </a:schemeClr>
+          </a:lnRef>
+          <a:fillRef idx="1">
+            <a:schemeClr val="accent1"/>
+          </a:fillRef>
+          <a:effectRef idx="0">
+            <a:schemeClr val="accent1"/>
+          </a:effectRef>
+          <a:fontRef idx="minor">
+            <a:schemeClr val="lt1"/>
+          </a:fontRef>
+        </p:style>
+        <p:txBody>
+          <a:bodyPr rtlCol="0" anchor="ctr"/>
+          <a:lstStyle/>
+          <a:p>
+            <a:pPr algn="ctr"/>
+            <a:r>
+              <a:rPr lang="en-US" altLang="zh-CN" dirty="0"/>
+              <a:t>OR16</a:t>
+            </a:r>
+            <a:endParaRPr lang="zh-CN" altLang="en-US" dirty="0"/>
+          </a:p>
+        </p:txBody>
+      </p:sp>
+      <p:sp>
+        <p:nvSpPr>
+          <p:cNvPr id="19" name="矩形: 圆角 18">
+            <a:extLst>
+              <a:ext uri="{FF2B5EF4-FFF2-40B4-BE49-F238E27FC236}">
+                <a16:creationId xmlns:a16="http://schemas.microsoft.com/office/drawing/2014/main" id="{F7D79628-6EA0-5170-8CC9-3DCD022E65B6}"/>
+              </a:ext>
+            </a:extLst>
+          </p:cNvPr>
+          <p:cNvSpPr/>
+          <p:nvPr/>
+        </p:nvSpPr>
+        <p:spPr>
+          <a:xfrm>
+            <a:off x="5782244" y="2401640"/>
+            <a:ext cx="1440000" cy="720000"/>
+          </a:xfrm>
+          <a:prstGeom prst="roundRect">
+            <a:avLst/>
+          </a:prstGeom>
+          <a:solidFill>
+            <a:schemeClr val="accent1">
+              <a:tint val="66000"/>
+              <a:satMod val="160000"/>
+            </a:schemeClr>
+          </a:solidFill>
+        </p:spPr>
+        <p:style>
+          <a:lnRef idx="2">
+            <a:schemeClr val="accent1">
+              <a:shade val="15000"/>
+            </a:schemeClr>
+          </a:lnRef>
+          <a:fillRef idx="1">
+            <a:schemeClr val="accent1"/>
+          </a:fillRef>
+          <a:effectRef idx="0">
+            <a:schemeClr val="accent1"/>
+          </a:effectRef>
+          <a:fontRef idx="minor">
+            <a:schemeClr val="lt1"/>
+          </a:fontRef>
+        </p:style>
+        <p:txBody>
+          <a:bodyPr rtlCol="0" anchor="ctr"/>
+          <a:lstStyle/>
+          <a:p>
+            <a:pPr algn="ctr"/>
+            <a:r>
+              <a:rPr lang="en-US" altLang="zh-CN" dirty="0"/>
+              <a:t>NOT16</a:t>
+            </a:r>
+            <a:endParaRPr lang="zh-CN" altLang="en-US" dirty="0"/>
+          </a:p>
+        </p:txBody>
+      </p:sp>
+      <p:sp>
+        <p:nvSpPr>
+          <p:cNvPr id="20" name="矩形: 圆角 19">
+            <a:extLst>
+              <a:ext uri="{FF2B5EF4-FFF2-40B4-BE49-F238E27FC236}">
+                <a16:creationId xmlns:a16="http://schemas.microsoft.com/office/drawing/2014/main" id="{41A12873-D6EF-7C92-E3DA-A8EEF631E77E}"/>
+              </a:ext>
+            </a:extLst>
+          </p:cNvPr>
+          <p:cNvSpPr/>
+          <p:nvPr/>
+        </p:nvSpPr>
+        <p:spPr>
+          <a:xfrm>
+            <a:off x="7626000" y="1247220"/>
+            <a:ext cx="1440000" cy="720000"/>
+          </a:xfrm>
+          <a:prstGeom prst="roundRect">
+            <a:avLst/>
+          </a:prstGeom>
+          <a:solidFill>
+            <a:schemeClr val="accent1">
+              <a:tint val="66000"/>
+              <a:satMod val="160000"/>
+            </a:schemeClr>
+          </a:solidFill>
+        </p:spPr>
+        <p:style>
+          <a:lnRef idx="2">
+            <a:schemeClr val="accent1">
+              <a:shade val="15000"/>
+            </a:schemeClr>
+          </a:lnRef>
+          <a:fillRef idx="1">
+            <a:schemeClr val="accent1"/>
+          </a:fillRef>
+          <a:effectRef idx="0">
+            <a:schemeClr val="accent1"/>
+          </a:effectRef>
+          <a:fontRef idx="minor">
+            <a:schemeClr val="lt1"/>
+          </a:fontRef>
+        </p:style>
+        <p:txBody>
+          <a:bodyPr rtlCol="0" anchor="ctr"/>
+          <a:lstStyle/>
+          <a:p>
+            <a:pPr algn="ctr"/>
+            <a:r>
+              <a:rPr lang="en-US" altLang="zh-CN" dirty="0"/>
+              <a:t>Mux16</a:t>
+            </a:r>
+            <a:endParaRPr lang="zh-CN" altLang="en-US" dirty="0"/>
+          </a:p>
+        </p:txBody>
+      </p:sp>
+      <p:sp>
+        <p:nvSpPr>
+          <p:cNvPr id="21" name="矩形: 圆角 20">
+            <a:extLst>
+              <a:ext uri="{FF2B5EF4-FFF2-40B4-BE49-F238E27FC236}">
+                <a16:creationId xmlns:a16="http://schemas.microsoft.com/office/drawing/2014/main" id="{7DF47A6B-0F25-7677-350E-CD708C0D60B2}"/>
+              </a:ext>
+            </a:extLst>
+          </p:cNvPr>
+          <p:cNvSpPr/>
+          <p:nvPr/>
+        </p:nvSpPr>
+        <p:spPr>
+          <a:xfrm>
+            <a:off x="7626000" y="2106440"/>
+            <a:ext cx="1440000" cy="720000"/>
+          </a:xfrm>
+          <a:prstGeom prst="roundRect">
+            <a:avLst/>
+          </a:prstGeom>
+          <a:solidFill>
+            <a:schemeClr val="accent1">
+              <a:tint val="66000"/>
+              <a:satMod val="160000"/>
+            </a:schemeClr>
+          </a:solidFill>
+        </p:spPr>
+        <p:style>
+          <a:lnRef idx="2">
+            <a:schemeClr val="accent1">
+              <a:shade val="15000"/>
+            </a:schemeClr>
+          </a:lnRef>
+          <a:fillRef idx="1">
+            <a:schemeClr val="accent1"/>
+          </a:fillRef>
+          <a:effectRef idx="0">
+            <a:schemeClr val="accent1"/>
+          </a:effectRef>
+          <a:fontRef idx="minor">
+            <a:schemeClr val="lt1"/>
+          </a:fontRef>
+        </p:style>
+        <p:txBody>
+          <a:bodyPr rtlCol="0" anchor="ctr"/>
+          <a:lstStyle/>
+          <a:p>
+            <a:pPr algn="ctr"/>
+            <a:r>
+              <a:rPr lang="en-US" altLang="zh-CN" dirty="0"/>
+              <a:t>OR8Way</a:t>
+            </a:r>
+            <a:endParaRPr lang="zh-CN" altLang="en-US" dirty="0"/>
+          </a:p>
+        </p:txBody>
+      </p:sp>
+      <p:graphicFrame>
+        <p:nvGraphicFramePr>
+          <p:cNvPr id="22" name="表格 21">
+            <a:extLst>
+              <a:ext uri="{FF2B5EF4-FFF2-40B4-BE49-F238E27FC236}">
+                <a16:creationId xmlns:a16="http://schemas.microsoft.com/office/drawing/2014/main" id="{4DE6CA02-9B59-BB6E-FDEC-3E1438442105}"/>
+              </a:ext>
+            </a:extLst>
+          </p:cNvPr>
+          <p:cNvGraphicFramePr>
+            <a:graphicFrameLocks noGrp="1"/>
+          </p:cNvGraphicFramePr>
+          <p:nvPr>
+            <p:extLst>
+              <p:ext uri="{D42A27DB-BD31-4B8C-83A1-F6EECF244321}">
+                <p14:modId xmlns:p14="http://schemas.microsoft.com/office/powerpoint/2010/main" val="1720501464"/>
+              </p:ext>
+            </p:extLst>
+          </p:nvPr>
+        </p:nvGraphicFramePr>
+        <p:xfrm>
+          <a:off x="6186000" y="3609000"/>
+          <a:ext cx="5580000" cy="2385000"/>
+        </p:xfrm>
+        <a:graphic>
+          <a:graphicData uri="http://schemas.openxmlformats.org/drawingml/2006/table">
+            <a:tbl>
+              <a:tblPr firstRow="1" bandRow="1">
+                <a:tableStyleId>{5C22544A-7EE6-4342-B048-85BDC9FD1C3A}</a:tableStyleId>
+              </a:tblPr>
+              <a:tblGrid>
+                <a:gridCol w="1395000">
+                  <a:extLst>
+                    <a:ext uri="{9D8B030D-6E8A-4147-A177-3AD203B41FA5}">
+                      <a16:colId xmlns:a16="http://schemas.microsoft.com/office/drawing/2014/main" val="2560429063"/>
+                    </a:ext>
+                  </a:extLst>
+                </a:gridCol>
+                <a:gridCol w="1395000">
+                  <a:extLst>
+                    <a:ext uri="{9D8B030D-6E8A-4147-A177-3AD203B41FA5}">
+                      <a16:colId xmlns:a16="http://schemas.microsoft.com/office/drawing/2014/main" val="1416228169"/>
+                    </a:ext>
+                  </a:extLst>
+                </a:gridCol>
+                <a:gridCol w="1395000">
+                  <a:extLst>
+                    <a:ext uri="{9D8B030D-6E8A-4147-A177-3AD203B41FA5}">
+                      <a16:colId xmlns:a16="http://schemas.microsoft.com/office/drawing/2014/main" val="841857569"/>
+                    </a:ext>
+                  </a:extLst>
+                </a:gridCol>
+                <a:gridCol w="1395000">
+                  <a:extLst>
+                    <a:ext uri="{9D8B030D-6E8A-4147-A177-3AD203B41FA5}">
+                      <a16:colId xmlns:a16="http://schemas.microsoft.com/office/drawing/2014/main" val="2914449846"/>
+                    </a:ext>
+                  </a:extLst>
+                </a:gridCol>
+              </a:tblGrid>
+              <a:tr h="477000">
+                <a:tc>
+                  <a:txBody>
+                    <a:bodyPr/>
+                    <a:lstStyle/>
+                    <a:p>
+                      <a:r>
+                        <a:rPr lang="en-US" altLang="zh-CN" dirty="0"/>
+                        <a:t>input</a:t>
+                      </a:r>
+                      <a:endParaRPr lang="zh-CN" altLang="en-US" dirty="0"/>
+                    </a:p>
+                  </a:txBody>
+                  <a:tcPr/>
+                </a:tc>
+                <a:tc>
+                  <a:txBody>
+                    <a:bodyPr/>
+                    <a:lstStyle/>
+                    <a:p>
+                      <a:r>
+                        <a:rPr lang="en-US" altLang="zh-CN" dirty="0" err="1"/>
+                        <a:t>sel</a:t>
+                      </a:r>
+                      <a:endParaRPr lang="zh-CN" altLang="en-US" dirty="0"/>
+                    </a:p>
+                  </a:txBody>
+                  <a:tcPr/>
+                </a:tc>
+                <a:tc>
+                  <a:txBody>
+                    <a:bodyPr/>
+                    <a:lstStyle/>
+                    <a:p>
+                      <a:r>
+                        <a:rPr lang="en-US" altLang="zh-CN" dirty="0"/>
+                        <a:t>output1</a:t>
+                      </a:r>
+                      <a:endParaRPr lang="zh-CN" altLang="en-US" dirty="0"/>
+                    </a:p>
+                  </a:txBody>
+                  <a:tcPr/>
+                </a:tc>
+                <a:tc>
+                  <a:txBody>
+                    <a:bodyPr/>
+                    <a:lstStyle/>
+                    <a:p>
+                      <a:r>
+                        <a:rPr lang="en-US" altLang="zh-CN" dirty="0"/>
+                        <a:t>output2</a:t>
+                      </a:r>
+                      <a:endParaRPr lang="zh-CN" altLang="en-US" dirty="0"/>
+                    </a:p>
+                  </a:txBody>
+                  <a:tcPr/>
+                </a:tc>
+                <a:extLst>
+                  <a:ext uri="{0D108BD9-81ED-4DB2-BD59-A6C34878D82A}">
+                    <a16:rowId xmlns:a16="http://schemas.microsoft.com/office/drawing/2014/main" val="1768497308"/>
+                  </a:ext>
+                </a:extLst>
+              </a:tr>
+              <a:tr h="477000">
+                <a:tc>
+                  <a:txBody>
+                    <a:bodyPr/>
+                    <a:lstStyle/>
+                    <a:p>
+                      <a:endParaRPr lang="zh-CN" altLang="en-US" dirty="0"/>
+                    </a:p>
+                  </a:txBody>
+                  <a:tcPr/>
+                </a:tc>
+                <a:tc>
+                  <a:txBody>
+                    <a:bodyPr/>
+                    <a:lstStyle/>
+                    <a:p>
+                      <a:endParaRPr lang="zh-CN" altLang="en-US"/>
+                    </a:p>
+                  </a:txBody>
+                  <a:tcPr/>
+                </a:tc>
+                <a:tc>
+                  <a:txBody>
+                    <a:bodyPr/>
+                    <a:lstStyle/>
+                    <a:p>
+                      <a:endParaRPr lang="zh-CN" altLang="en-US"/>
+                    </a:p>
+                  </a:txBody>
+                  <a:tcPr/>
+                </a:tc>
+                <a:tc>
+                  <a:txBody>
+                    <a:bodyPr/>
+                    <a:lstStyle/>
+                    <a:p>
+                      <a:endParaRPr lang="zh-CN" altLang="en-US"/>
+                    </a:p>
+                  </a:txBody>
+                  <a:tcPr/>
+                </a:tc>
+                <a:extLst>
+                  <a:ext uri="{0D108BD9-81ED-4DB2-BD59-A6C34878D82A}">
+                    <a16:rowId xmlns:a16="http://schemas.microsoft.com/office/drawing/2014/main" val="3651459930"/>
+                  </a:ext>
+                </a:extLst>
+              </a:tr>
+              <a:tr h="477000">
+                <a:tc>
+                  <a:txBody>
+                    <a:bodyPr/>
+                    <a:lstStyle/>
+                    <a:p>
+                      <a:endParaRPr lang="zh-CN" altLang="en-US"/>
+                    </a:p>
+                  </a:txBody>
+                  <a:tcPr/>
+                </a:tc>
+                <a:tc>
+                  <a:txBody>
+                    <a:bodyPr/>
+                    <a:lstStyle/>
+                    <a:p>
+                      <a:endParaRPr lang="zh-CN" altLang="en-US"/>
+                    </a:p>
+                  </a:txBody>
+                  <a:tcPr/>
+                </a:tc>
+                <a:tc>
+                  <a:txBody>
+                    <a:bodyPr/>
+                    <a:lstStyle/>
+                    <a:p>
+                      <a:endParaRPr lang="zh-CN" altLang="en-US"/>
+                    </a:p>
+                  </a:txBody>
+                  <a:tcPr/>
+                </a:tc>
+                <a:tc>
+                  <a:txBody>
+                    <a:bodyPr/>
+                    <a:lstStyle/>
+                    <a:p>
+                      <a:endParaRPr lang="zh-CN" altLang="en-US"/>
+                    </a:p>
+                  </a:txBody>
+                  <a:tcPr/>
+                </a:tc>
+                <a:extLst>
+                  <a:ext uri="{0D108BD9-81ED-4DB2-BD59-A6C34878D82A}">
+                    <a16:rowId xmlns:a16="http://schemas.microsoft.com/office/drawing/2014/main" val="3826829109"/>
+                  </a:ext>
+                </a:extLst>
+              </a:tr>
+              <a:tr h="477000">
+                <a:tc>
+                  <a:txBody>
+                    <a:bodyPr/>
+                    <a:lstStyle/>
+                    <a:p>
+                      <a:endParaRPr lang="zh-CN" altLang="en-US"/>
+                    </a:p>
+                  </a:txBody>
+                  <a:tcPr/>
+                </a:tc>
+                <a:tc>
+                  <a:txBody>
+                    <a:bodyPr/>
+                    <a:lstStyle/>
+                    <a:p>
+                      <a:endParaRPr lang="zh-CN" altLang="en-US"/>
+                    </a:p>
+                  </a:txBody>
+                  <a:tcPr/>
+                </a:tc>
+                <a:tc>
+                  <a:txBody>
+                    <a:bodyPr/>
+                    <a:lstStyle/>
+                    <a:p>
+                      <a:endParaRPr lang="zh-CN" altLang="en-US"/>
+                    </a:p>
+                  </a:txBody>
+                  <a:tcPr/>
+                </a:tc>
+                <a:tc>
+                  <a:txBody>
+                    <a:bodyPr/>
+                    <a:lstStyle/>
+                    <a:p>
+                      <a:endParaRPr lang="zh-CN" altLang="en-US"/>
+                    </a:p>
+                  </a:txBody>
+                  <a:tcPr/>
+                </a:tc>
+                <a:extLst>
+                  <a:ext uri="{0D108BD9-81ED-4DB2-BD59-A6C34878D82A}">
+                    <a16:rowId xmlns:a16="http://schemas.microsoft.com/office/drawing/2014/main" val="1661859406"/>
+                  </a:ext>
+                </a:extLst>
+              </a:tr>
+              <a:tr h="477000">
+                <a:tc>
+                  <a:txBody>
+                    <a:bodyPr/>
+                    <a:lstStyle/>
+                    <a:p>
+                      <a:endParaRPr lang="zh-CN" altLang="en-US"/>
+                    </a:p>
+                  </a:txBody>
+                  <a:tcPr/>
+                </a:tc>
+                <a:tc>
+                  <a:txBody>
+                    <a:bodyPr/>
+                    <a:lstStyle/>
+                    <a:p>
+                      <a:endParaRPr lang="zh-CN" altLang="en-US"/>
+                    </a:p>
+                  </a:txBody>
+                  <a:tcPr/>
+                </a:tc>
+                <a:tc>
+                  <a:txBody>
+                    <a:bodyPr/>
+                    <a:lstStyle/>
+                    <a:p>
+                      <a:endParaRPr lang="zh-CN" altLang="en-US"/>
+                    </a:p>
+                  </a:txBody>
+                  <a:tcPr/>
+                </a:tc>
+                <a:tc>
+                  <a:txBody>
+                    <a:bodyPr/>
+                    <a:lstStyle/>
+                    <a:p>
+                      <a:endParaRPr lang="zh-CN" altLang="en-US" dirty="0"/>
+                    </a:p>
+                  </a:txBody>
+                  <a:tcPr/>
+                </a:tc>
+                <a:extLst>
+                  <a:ext uri="{0D108BD9-81ED-4DB2-BD59-A6C34878D82A}">
+                    <a16:rowId xmlns:a16="http://schemas.microsoft.com/office/drawing/2014/main" val="3153811727"/>
+                  </a:ext>
+                </a:extLst>
+              </a:tr>
+            </a:tbl>
+          </a:graphicData>
+        </a:graphic>
+      </p:graphicFrame>
+    </p:spTree>
+    <p:extLst>
+      <p:ext uri="{BB962C8B-B14F-4D97-AF65-F5344CB8AC3E}">
+        <p14:creationId xmlns:p14="http://schemas.microsoft.com/office/powerpoint/2010/main" val="3325691202"/>
+      </p:ext>
+    </p:extLst>
+  </p:cSld>
+  <p:clrMapOvr>
+    <a:masterClrMapping/>
+  </p:clrMapOvr>
+</p:sld>
+</file>
+
 <file path=ppt/theme/theme1.xml><?xml version="1.0" encoding="utf-8"?>
 <a:theme xmlns:a="http://schemas.openxmlformats.org/drawingml/2006/main" name="Office 主题​​">
   <a:themeElements>

--- a/hack_machine/img/Time Sequence of DFF.pptx
+++ b/hack_machine/img/Time Sequence of DFF.pptx
@@ -3816,7 +3816,7 @@
         </p:nvSpPr>
         <p:spPr>
           <a:xfrm>
-            <a:off x="5777922" y="766360"/>
+            <a:off x="5281405" y="890470"/>
             <a:ext cx="1440000" cy="720000"/>
           </a:xfrm>
           <a:prstGeom prst="roundRect">
@@ -3872,7 +3872,7 @@
         </p:nvSpPr>
         <p:spPr>
           <a:xfrm>
-            <a:off x="5777922" y="1584000"/>
+            <a:off x="5281405" y="1708110"/>
             <a:ext cx="1440000" cy="720000"/>
           </a:xfrm>
           <a:prstGeom prst="roundRect">
@@ -3928,7 +3928,7 @@
         </p:nvSpPr>
         <p:spPr>
           <a:xfrm>
-            <a:off x="5782244" y="2401640"/>
+            <a:off x="5285727" y="2525750"/>
             <a:ext cx="1440000" cy="720000"/>
           </a:xfrm>
           <a:prstGeom prst="roundRect">
@@ -3984,7 +3984,7 @@
         </p:nvSpPr>
         <p:spPr>
           <a:xfrm>
-            <a:off x="7626000" y="1247220"/>
+            <a:off x="6861000" y="1247220"/>
             <a:ext cx="1440000" cy="720000"/>
           </a:xfrm>
           <a:prstGeom prst="roundRect">
@@ -4040,7 +4040,7 @@
         </p:nvSpPr>
         <p:spPr>
           <a:xfrm>
-            <a:off x="7626000" y="2106440"/>
+            <a:off x="6861000" y="2106440"/>
             <a:ext cx="1440000" cy="720000"/>
           </a:xfrm>
           <a:prstGeom prst="roundRect">
@@ -4397,6 +4397,230 @@
           </a:graphicData>
         </a:graphic>
       </p:graphicFrame>
+      <p:sp>
+        <p:nvSpPr>
+          <p:cNvPr id="2" name="矩形: 圆角 1">
+            <a:extLst>
+              <a:ext uri="{FF2B5EF4-FFF2-40B4-BE49-F238E27FC236}">
+                <a16:creationId xmlns:a16="http://schemas.microsoft.com/office/drawing/2014/main" id="{F36C318B-36CE-D42E-F6EA-FDCB643F5FA8}"/>
+              </a:ext>
+            </a:extLst>
+          </p:cNvPr>
+          <p:cNvSpPr/>
+          <p:nvPr/>
+        </p:nvSpPr>
+        <p:spPr>
+          <a:xfrm>
+            <a:off x="8391000" y="1278332"/>
+            <a:ext cx="1440000" cy="720000"/>
+          </a:xfrm>
+          <a:prstGeom prst="roundRect">
+            <a:avLst/>
+          </a:prstGeom>
+          <a:solidFill>
+            <a:schemeClr val="accent1">
+              <a:tint val="66000"/>
+              <a:satMod val="160000"/>
+            </a:schemeClr>
+          </a:solidFill>
+        </p:spPr>
+        <p:style>
+          <a:lnRef idx="2">
+            <a:schemeClr val="accent1">
+              <a:shade val="15000"/>
+            </a:schemeClr>
+          </a:lnRef>
+          <a:fillRef idx="1">
+            <a:schemeClr val="accent1"/>
+          </a:fillRef>
+          <a:effectRef idx="0">
+            <a:schemeClr val="accent1"/>
+          </a:effectRef>
+          <a:fontRef idx="minor">
+            <a:schemeClr val="lt1"/>
+          </a:fontRef>
+        </p:style>
+        <p:txBody>
+          <a:bodyPr rtlCol="0" anchor="ctr"/>
+          <a:lstStyle/>
+          <a:p>
+            <a:pPr algn="ctr"/>
+            <a:r>
+              <a:rPr lang="en-US" altLang="zh-CN" dirty="0"/>
+              <a:t>DMux4Way</a:t>
+            </a:r>
+            <a:endParaRPr lang="zh-CN" altLang="en-US" dirty="0"/>
+          </a:p>
+        </p:txBody>
+      </p:sp>
+      <p:sp>
+        <p:nvSpPr>
+          <p:cNvPr id="3" name="矩形: 圆角 2">
+            <a:extLst>
+              <a:ext uri="{FF2B5EF4-FFF2-40B4-BE49-F238E27FC236}">
+                <a16:creationId xmlns:a16="http://schemas.microsoft.com/office/drawing/2014/main" id="{93EDBFBB-9DBF-40B4-7A93-B4992E75C197}"/>
+              </a:ext>
+            </a:extLst>
+          </p:cNvPr>
+          <p:cNvSpPr/>
+          <p:nvPr/>
+        </p:nvSpPr>
+        <p:spPr>
+          <a:xfrm>
+            <a:off x="8391000" y="2137552"/>
+            <a:ext cx="1440000" cy="720000"/>
+          </a:xfrm>
+          <a:prstGeom prst="roundRect">
+            <a:avLst/>
+          </a:prstGeom>
+          <a:solidFill>
+            <a:schemeClr val="accent1">
+              <a:tint val="66000"/>
+              <a:satMod val="160000"/>
+            </a:schemeClr>
+          </a:solidFill>
+        </p:spPr>
+        <p:style>
+          <a:lnRef idx="2">
+            <a:schemeClr val="accent1">
+              <a:shade val="15000"/>
+            </a:schemeClr>
+          </a:lnRef>
+          <a:fillRef idx="1">
+            <a:schemeClr val="accent1"/>
+          </a:fillRef>
+          <a:effectRef idx="0">
+            <a:schemeClr val="accent1"/>
+          </a:effectRef>
+          <a:fontRef idx="minor">
+            <a:schemeClr val="lt1"/>
+          </a:fontRef>
+        </p:style>
+        <p:txBody>
+          <a:bodyPr rtlCol="0" anchor="ctr"/>
+          <a:lstStyle/>
+          <a:p>
+            <a:pPr algn="ctr"/>
+            <a:r>
+              <a:rPr lang="en-US" altLang="zh-CN" dirty="0"/>
+              <a:t>DMux8Way</a:t>
+            </a:r>
+            <a:endParaRPr lang="zh-CN" altLang="en-US" dirty="0"/>
+          </a:p>
+        </p:txBody>
+      </p:sp>
+      <p:sp>
+        <p:nvSpPr>
+          <p:cNvPr id="4" name="矩形: 圆角 3">
+            <a:extLst>
+              <a:ext uri="{FF2B5EF4-FFF2-40B4-BE49-F238E27FC236}">
+                <a16:creationId xmlns:a16="http://schemas.microsoft.com/office/drawing/2014/main" id="{50DBBE6C-0D4C-A33B-BA25-94A3501BBFD9}"/>
+              </a:ext>
+            </a:extLst>
+          </p:cNvPr>
+          <p:cNvSpPr/>
+          <p:nvPr/>
+        </p:nvSpPr>
+        <p:spPr>
+          <a:xfrm>
+            <a:off x="9966000" y="1269000"/>
+            <a:ext cx="1710000" cy="720000"/>
+          </a:xfrm>
+          <a:prstGeom prst="roundRect">
+            <a:avLst/>
+          </a:prstGeom>
+          <a:solidFill>
+            <a:schemeClr val="accent1">
+              <a:tint val="66000"/>
+              <a:satMod val="160000"/>
+            </a:schemeClr>
+          </a:solidFill>
+        </p:spPr>
+        <p:style>
+          <a:lnRef idx="2">
+            <a:schemeClr val="accent1">
+              <a:shade val="15000"/>
+            </a:schemeClr>
+          </a:lnRef>
+          <a:fillRef idx="1">
+            <a:schemeClr val="accent1"/>
+          </a:fillRef>
+          <a:effectRef idx="0">
+            <a:schemeClr val="accent1"/>
+          </a:effectRef>
+          <a:fontRef idx="minor">
+            <a:schemeClr val="lt1"/>
+          </a:fontRef>
+        </p:style>
+        <p:txBody>
+          <a:bodyPr rtlCol="0" anchor="ctr"/>
+          <a:lstStyle/>
+          <a:p>
+            <a:pPr algn="ctr"/>
+            <a:r>
+              <a:rPr lang="en-US" altLang="zh-CN" dirty="0"/>
+              <a:t>Mux4Way16</a:t>
+            </a:r>
+            <a:endParaRPr lang="zh-CN" altLang="en-US" dirty="0"/>
+          </a:p>
+        </p:txBody>
+      </p:sp>
+      <p:sp>
+        <p:nvSpPr>
+          <p:cNvPr id="5" name="矩形: 圆角 4">
+            <a:extLst>
+              <a:ext uri="{FF2B5EF4-FFF2-40B4-BE49-F238E27FC236}">
+                <a16:creationId xmlns:a16="http://schemas.microsoft.com/office/drawing/2014/main" id="{69F5ED9E-2AED-A3B0-F7F6-A56EB6A40D8D}"/>
+              </a:ext>
+            </a:extLst>
+          </p:cNvPr>
+          <p:cNvSpPr/>
+          <p:nvPr/>
+        </p:nvSpPr>
+        <p:spPr>
+          <a:xfrm>
+            <a:off x="9966000" y="2128220"/>
+            <a:ext cx="1710000" cy="720000"/>
+          </a:xfrm>
+          <a:prstGeom prst="roundRect">
+            <a:avLst/>
+          </a:prstGeom>
+          <a:solidFill>
+            <a:schemeClr val="accent1">
+              <a:tint val="66000"/>
+              <a:satMod val="160000"/>
+            </a:schemeClr>
+          </a:solidFill>
+        </p:spPr>
+        <p:style>
+          <a:lnRef idx="2">
+            <a:schemeClr val="accent1">
+              <a:shade val="15000"/>
+            </a:schemeClr>
+          </a:lnRef>
+          <a:fillRef idx="1">
+            <a:schemeClr val="accent1"/>
+          </a:fillRef>
+          <a:effectRef idx="0">
+            <a:schemeClr val="accent1"/>
+          </a:effectRef>
+          <a:fontRef idx="minor">
+            <a:schemeClr val="lt1"/>
+          </a:fontRef>
+        </p:style>
+        <p:txBody>
+          <a:bodyPr rtlCol="0" anchor="ctr"/>
+          <a:lstStyle/>
+          <a:p>
+            <a:pPr algn="ctr"/>
+            <a:r>
+              <a:rPr lang="en-US" altLang="zh-CN" dirty="0"/>
+              <a:t>Mux8Way16</a:t>
+            </a:r>
+            <a:endParaRPr lang="zh-CN" altLang="en-US" dirty="0"/>
+          </a:p>
+        </p:txBody>
+      </p:sp>
     </p:spTree>
     <p:extLst>
       <p:ext uri="{BB962C8B-B14F-4D97-AF65-F5344CB8AC3E}">
